--- a/Group_Project/화면설계서/화면설계서_남정한.pptx
+++ b/Group_Project/화면설계서/화면설계서_남정한.pptx
@@ -337,7 +337,7 @@
             <a:fld id="{1D8BD707-D9CF-40AE-B4C6-C98DA3205C09}" type="datetimeFigureOut">
               <a:rPr lang="en-US" smtClean="0"/>
               <a:pPr/>
-              <a:t>2/19/2025</a:t>
+              <a:t>2/20/2025</a:t>
             </a:fld>
             <a:endParaRPr lang="en-US"/>
           </a:p>
@@ -502,7 +502,7 @@
             <a:fld id="{1D8BD707-D9CF-40AE-B4C6-C98DA3205C09}" type="datetimeFigureOut">
               <a:rPr lang="en-US" smtClean="0"/>
               <a:pPr/>
-              <a:t>2/19/2025</a:t>
+              <a:t>2/20/2025</a:t>
             </a:fld>
             <a:endParaRPr lang="en-US"/>
           </a:p>
@@ -677,7 +677,7 @@
             <a:fld id="{1D8BD707-D9CF-40AE-B4C6-C98DA3205C09}" type="datetimeFigureOut">
               <a:rPr lang="en-US" smtClean="0"/>
               <a:pPr/>
-              <a:t>2/19/2025</a:t>
+              <a:t>2/20/2025</a:t>
             </a:fld>
             <a:endParaRPr lang="en-US"/>
           </a:p>
@@ -842,7 +842,7 @@
             <a:fld id="{1D8BD707-D9CF-40AE-B4C6-C98DA3205C09}" type="datetimeFigureOut">
               <a:rPr lang="en-US" smtClean="0"/>
               <a:pPr/>
-              <a:t>2/19/2025</a:t>
+              <a:t>2/20/2025</a:t>
             </a:fld>
             <a:endParaRPr lang="en-US"/>
           </a:p>
@@ -1084,7 +1084,7 @@
             <a:fld id="{1D8BD707-D9CF-40AE-B4C6-C98DA3205C09}" type="datetimeFigureOut">
               <a:rPr lang="en-US" smtClean="0"/>
               <a:pPr/>
-              <a:t>2/19/2025</a:t>
+              <a:t>2/20/2025</a:t>
             </a:fld>
             <a:endParaRPr lang="en-US"/>
           </a:p>
@@ -1366,7 +1366,7 @@
             <a:fld id="{1D8BD707-D9CF-40AE-B4C6-C98DA3205C09}" type="datetimeFigureOut">
               <a:rPr lang="en-US" smtClean="0"/>
               <a:pPr/>
-              <a:t>2/19/2025</a:t>
+              <a:t>2/20/2025</a:t>
             </a:fld>
             <a:endParaRPr lang="en-US"/>
           </a:p>
@@ -1782,7 +1782,7 @@
             <a:fld id="{1D8BD707-D9CF-40AE-B4C6-C98DA3205C09}" type="datetimeFigureOut">
               <a:rPr lang="en-US" smtClean="0"/>
               <a:pPr/>
-              <a:t>2/19/2025</a:t>
+              <a:t>2/20/2025</a:t>
             </a:fld>
             <a:endParaRPr lang="en-US"/>
           </a:p>
@@ -1896,7 +1896,7 @@
             <a:fld id="{1D8BD707-D9CF-40AE-B4C6-C98DA3205C09}" type="datetimeFigureOut">
               <a:rPr lang="en-US" smtClean="0"/>
               <a:pPr/>
-              <a:t>2/19/2025</a:t>
+              <a:t>2/20/2025</a:t>
             </a:fld>
             <a:endParaRPr lang="en-US"/>
           </a:p>
@@ -1988,7 +1988,7 @@
             <a:fld id="{1D8BD707-D9CF-40AE-B4C6-C98DA3205C09}" type="datetimeFigureOut">
               <a:rPr lang="en-US" smtClean="0"/>
               <a:pPr/>
-              <a:t>2/19/2025</a:t>
+              <a:t>2/20/2025</a:t>
             </a:fld>
             <a:endParaRPr lang="en-US"/>
           </a:p>
@@ -2260,7 +2260,7 @@
             <a:fld id="{1D8BD707-D9CF-40AE-B4C6-C98DA3205C09}" type="datetimeFigureOut">
               <a:rPr lang="en-US" smtClean="0"/>
               <a:pPr/>
-              <a:t>2/19/2025</a:t>
+              <a:t>2/20/2025</a:t>
             </a:fld>
             <a:endParaRPr lang="en-US"/>
           </a:p>
@@ -2509,7 +2509,7 @@
             <a:fld id="{1D8BD707-D9CF-40AE-B4C6-C98DA3205C09}" type="datetimeFigureOut">
               <a:rPr lang="en-US" smtClean="0"/>
               <a:pPr/>
-              <a:t>2/19/2025</a:t>
+              <a:t>2/20/2025</a:t>
             </a:fld>
             <a:endParaRPr lang="en-US"/>
           </a:p>
@@ -2717,7 +2717,7 @@
             <a:fld id="{1D8BD707-D9CF-40AE-B4C6-C98DA3205C09}" type="datetimeFigureOut">
               <a:rPr lang="en-US" smtClean="0"/>
               <a:pPr/>
-              <a:t>2/19/2025</a:t>
+              <a:t>2/20/2025</a:t>
             </a:fld>
             <a:endParaRPr lang="en-US"/>
           </a:p>
@@ -5844,7 +5844,7 @@
           <p:nvPr>
             <p:extLst>
               <p:ext uri="{D42A27DB-BD31-4B8C-83A1-F6EECF244321}">
-                <p14:modId xmlns:p14="http://schemas.microsoft.com/office/powerpoint/2010/main" val="2943962382"/>
+                <p14:modId xmlns:p14="http://schemas.microsoft.com/office/powerpoint/2010/main" val="3668588631"/>
               </p:ext>
             </p:extLst>
           </p:nvPr>
@@ -6016,15 +6016,27 @@
                       </a:pPr>
                       <a:r>
                         <a:rPr lang="ko-KR" altLang="en-US" sz="1200" dirty="0"/>
-                        <a:t>클릭 시 해당 연도에  총인구와 </a:t>
+                        <a:t>클릭 시 </a:t>
+                      </a:r>
+                      <a:r>
+                        <a:rPr lang="en-US" altLang="ko-KR" sz="1200" dirty="0"/>
+                        <a:t>2025</a:t>
+                      </a:r>
+                      <a:r>
+                        <a:rPr lang="ko-KR" altLang="en-US" sz="1200" dirty="0"/>
+                        <a:t>년부터 해당 </a:t>
+                      </a:r>
+                      <a:r>
+                        <a:rPr lang="ko-KR" altLang="en-US" sz="1200"/>
+                        <a:t>연도에  총인구수와 </a:t>
                       </a:r>
                       <a:r>
                         <a:rPr lang="ko-KR" altLang="en-US" sz="1200" dirty="0" err="1"/>
-                        <a:t>독거노인수</a:t>
+                        <a:t>독거노인수를</a:t>
                       </a:r>
                       <a:r>
                         <a:rPr lang="ko-KR" altLang="en-US" sz="1200" dirty="0"/>
-                        <a:t>  그래프로 나타남</a:t>
+                        <a:t> 선 그래프로 나타남</a:t>
                       </a:r>
                     </a:p>
                   </a:txBody>
